--- a/img/pin_map.pptx
+++ b/img/pin_map.pptx
@@ -3908,7 +3908,7 @@
         </p:blipFill>
         <p:spPr>
           <a:xfrm>
-            <a:off x="2443902" y="59236"/>
+            <a:off x="2425796" y="59236"/>
             <a:ext cx="6641198" cy="4980899"/>
           </a:xfrm>
           <a:prstGeom prst="rect">
@@ -3932,7 +3932,7 @@
         </p:nvCxnSpPr>
         <p:spPr>
           <a:xfrm>
-            <a:off x="2818313" y="2246784"/>
+            <a:off x="2800207" y="2246784"/>
             <a:ext cx="1215630" cy="0"/>
           </a:xfrm>
           <a:prstGeom prst="line">
@@ -3979,7 +3979,7 @@
         </p:nvCxnSpPr>
         <p:spPr>
           <a:xfrm>
-            <a:off x="2818313" y="2949186"/>
+            <a:off x="2800207" y="2949186"/>
             <a:ext cx="1215630" cy="0"/>
           </a:xfrm>
           <a:prstGeom prst="line">
@@ -4026,7 +4026,7 @@
         </p:nvCxnSpPr>
         <p:spPr>
           <a:xfrm>
-            <a:off x="2818313" y="2730703"/>
+            <a:off x="2800207" y="2730703"/>
             <a:ext cx="1205080" cy="0"/>
           </a:xfrm>
           <a:prstGeom prst="line">
@@ -4073,7 +4073,7 @@
         </p:nvCxnSpPr>
         <p:spPr>
           <a:xfrm>
-            <a:off x="2818313" y="2508412"/>
+            <a:off x="2800207" y="2508412"/>
             <a:ext cx="1184152" cy="0"/>
           </a:xfrm>
           <a:prstGeom prst="line">
@@ -4305,7 +4305,7 @@
         </p:blipFill>
         <p:spPr>
           <a:xfrm>
-            <a:off x="1861592" y="2079425"/>
+            <a:off x="1843486" y="2079425"/>
             <a:ext cx="476250" cy="476250"/>
           </a:xfrm>
           <a:prstGeom prst="rect">
@@ -4341,7 +4341,7 @@
         </p:blipFill>
         <p:spPr>
           <a:xfrm>
-            <a:off x="1861592" y="1518735"/>
+            <a:off x="1843486" y="1518735"/>
             <a:ext cx="476250" cy="476250"/>
           </a:xfrm>
           <a:prstGeom prst="rect">
@@ -4377,7 +4377,7 @@
         </p:blipFill>
         <p:spPr>
           <a:xfrm>
-            <a:off x="1861592" y="3167348"/>
+            <a:off x="1843486" y="3167348"/>
             <a:ext cx="476250" cy="476250"/>
           </a:xfrm>
           <a:prstGeom prst="rect">
@@ -4413,7 +4413,7 @@
         </p:blipFill>
         <p:spPr>
           <a:xfrm>
-            <a:off x="1861592" y="2623386"/>
+            <a:off x="1843486" y="2623386"/>
             <a:ext cx="476250" cy="476250"/>
           </a:xfrm>
           <a:prstGeom prst="rect">
@@ -4582,7 +4582,7 @@
         </p:nvCxnSpPr>
         <p:spPr>
           <a:xfrm flipH="1" flipV="1">
-            <a:off x="2337842" y="1756860"/>
+            <a:off x="2319736" y="1756860"/>
             <a:ext cx="480471" cy="470058"/>
           </a:xfrm>
           <a:prstGeom prst="line">
@@ -4630,7 +4630,7 @@
         </p:nvCxnSpPr>
         <p:spPr>
           <a:xfrm flipH="1" flipV="1">
-            <a:off x="2337842" y="2317550"/>
+            <a:off x="2319736" y="2317550"/>
             <a:ext cx="480471" cy="183351"/>
           </a:xfrm>
           <a:prstGeom prst="line">
@@ -4678,7 +4678,7 @@
         </p:nvCxnSpPr>
         <p:spPr>
           <a:xfrm flipH="1">
-            <a:off x="2337842" y="2737709"/>
+            <a:off x="2319736" y="2737709"/>
             <a:ext cx="480471" cy="123802"/>
           </a:xfrm>
           <a:prstGeom prst="line">
@@ -4726,7 +4726,7 @@
         </p:nvCxnSpPr>
         <p:spPr>
           <a:xfrm flipH="1">
-            <a:off x="2337842" y="2969473"/>
+            <a:off x="2319736" y="2969473"/>
             <a:ext cx="480472" cy="436000"/>
           </a:xfrm>
           <a:prstGeom prst="line">
@@ -4768,14 +4768,13 @@
           </p:cNvPr>
           <p:cNvCxnSpPr>
             <a:cxnSpLocks/>
-            <a:stCxn id="47" idx="6"/>
           </p:cNvCxnSpPr>
           <p:nvPr/>
         </p:nvCxnSpPr>
         <p:spPr>
           <a:xfrm flipV="1">
-            <a:off x="7407168" y="2623386"/>
-            <a:ext cx="1266052" cy="562"/>
+            <a:off x="7389062" y="1756860"/>
+            <a:ext cx="1016677" cy="827501"/>
           </a:xfrm>
           <a:prstGeom prst="line">
             <a:avLst/>
@@ -4833,7 +4832,7 @@
         </p:blipFill>
         <p:spPr>
           <a:xfrm>
-            <a:off x="8660412" y="2385261"/>
+            <a:off x="8828869" y="1515639"/>
             <a:ext cx="476250" cy="476250"/>
           </a:xfrm>
           <a:prstGeom prst="rect">
@@ -4893,7 +4892,7 @@
         </p:nvSpPr>
         <p:spPr>
           <a:xfrm>
-            <a:off x="4023393" y="2196961"/>
+            <a:off x="4005287" y="2196961"/>
             <a:ext cx="103124" cy="103124"/>
           </a:xfrm>
           <a:prstGeom prst="ellipse">
@@ -4951,7 +4950,7 @@
         </p:nvSpPr>
         <p:spPr>
           <a:xfrm>
-            <a:off x="4023393" y="2449515"/>
+            <a:off x="4005287" y="2449515"/>
             <a:ext cx="103124" cy="103124"/>
           </a:xfrm>
           <a:prstGeom prst="ellipse">
@@ -5009,7 +5008,7 @@
         </p:nvSpPr>
         <p:spPr>
           <a:xfrm>
-            <a:off x="4023393" y="2673785"/>
+            <a:off x="4005287" y="2673785"/>
             <a:ext cx="103124" cy="103124"/>
           </a:xfrm>
           <a:prstGeom prst="ellipse">
@@ -5067,7 +5066,7 @@
         </p:nvSpPr>
         <p:spPr>
           <a:xfrm>
-            <a:off x="4023393" y="2893038"/>
+            <a:off x="4005287" y="2893038"/>
             <a:ext cx="103124" cy="103124"/>
           </a:xfrm>
           <a:prstGeom prst="ellipse">
@@ -5125,7 +5124,7 @@
         </p:nvSpPr>
         <p:spPr>
           <a:xfrm>
-            <a:off x="7307493" y="2574110"/>
+            <a:off x="7289387" y="2574110"/>
             <a:ext cx="99675" cy="99675"/>
           </a:xfrm>
           <a:prstGeom prst="ellipse">
@@ -5247,6 +5246,53 @@
           </a:p>
         </p:txBody>
       </p:sp>
+      <p:cxnSp>
+        <p:nvCxnSpPr>
+          <p:cNvPr id="7" name="直接连接符 6">
+            <a:extLst>
+              <a:ext uri="{FF2B5EF4-FFF2-40B4-BE49-F238E27FC236}">
+                <a16:creationId xmlns:a16="http://schemas.microsoft.com/office/drawing/2014/main" id="{45FD9C5E-21F5-4B53-A61E-4DF97BB98E41}"/>
+              </a:ext>
+            </a:extLst>
+          </p:cNvPr>
+          <p:cNvCxnSpPr>
+            <a:cxnSpLocks/>
+          </p:cNvCxnSpPr>
+          <p:nvPr/>
+        </p:nvCxnSpPr>
+        <p:spPr>
+          <a:xfrm>
+            <a:off x="8405739" y="1756860"/>
+            <a:ext cx="439498" cy="0"/>
+          </a:xfrm>
+          <a:prstGeom prst="line">
+            <a:avLst/>
+          </a:prstGeom>
+          <a:ln w="15875" cap="flat" cmpd="sng" algn="ctr">
+            <a:solidFill>
+              <a:schemeClr val="accent3"/>
+            </a:solidFill>
+            <a:prstDash val="dash"/>
+            <a:round/>
+            <a:headEnd type="none" w="med" len="med"/>
+            <a:tailEnd type="none" w="med" len="med"/>
+          </a:ln>
+        </p:spPr>
+        <p:style>
+          <a:lnRef idx="0">
+            <a:scrgbClr r="0" g="0" b="0"/>
+          </a:lnRef>
+          <a:fillRef idx="0">
+            <a:scrgbClr r="0" g="0" b="0"/>
+          </a:fillRef>
+          <a:effectRef idx="0">
+            <a:scrgbClr r="0" g="0" b="0"/>
+          </a:effectRef>
+          <a:fontRef idx="minor">
+            <a:schemeClr val="tx1"/>
+          </a:fontRef>
+        </p:style>
+      </p:cxnSp>
     </p:spTree>
     <p:extLst>
       <p:ext uri="{BB962C8B-B14F-4D97-AF65-F5344CB8AC3E}">
